--- a/Resources/MUST Academy - Computer Vision.pptx
+++ b/Resources/MUST Academy - Computer Vision.pptx
@@ -216,7 +216,7 @@
           <a:p>
             <a:fld id="{876D5480-020B-4BDC-AFC6-146D691A76FF}" type="datetimeFigureOut">
               <a:rPr lang="en-US" smtClean="0"/>
-              <a:t>7/11/2020</a:t>
+              <a:t>7/12/2020</a:t>
             </a:fld>
             <a:endParaRPr lang="en-US" dirty="0"/>
           </a:p>
@@ -3444,8 +3444,8 @@
         </p:blipFill>
         <p:spPr>
           <a:xfrm>
-            <a:off x="665068" y="1505734"/>
-            <a:ext cx="4803589" cy="4451848"/>
+            <a:off x="665069" y="1505734"/>
+            <a:ext cx="4645968" cy="4305769"/>
           </a:xfrm>
           <a:prstGeom prst="ellipse">
             <a:avLst/>
@@ -5611,8 +5611,8 @@
         </p:nvSpPr>
         <p:spPr>
           <a:xfrm>
-            <a:off x="497778" y="6135012"/>
-            <a:ext cx="5882066" cy="1466768"/>
+            <a:off x="602129" y="5929215"/>
+            <a:ext cx="5882066" cy="1771396"/>
           </a:xfrm>
           <a:prstGeom prst="rect">
             <a:avLst/>
@@ -5831,6 +5831,20 @@
               <a:rPr lang="en-US" i="1" dirty="0"/>
               <a:t>AI Researcher, MUST Research</a:t>
             </a:r>
+          </a:p>
+          <a:p>
+            <a:pPr>
+              <a:lnSpc>
+                <a:spcPct val="100000"/>
+              </a:lnSpc>
+            </a:pPr>
+            <a:r>
+              <a:rPr lang="en-IN" b="1" dirty="0">
+                <a:hlinkClick r:id="rId9"/>
+              </a:rPr>
+              <a:t>https://aditya-bhattacharya.net/</a:t>
+            </a:r>
+            <a:endParaRPr lang="en-US" b="1" i="1" dirty="0"/>
           </a:p>
         </p:txBody>
       </p:sp>
@@ -6846,6 +6860,67 @@
                       </p:childTnLst>
                     </p:cTn>
                   </p:par>
+                  <p:par>
+                    <p:cTn id="68" fill="hold">
+                      <p:stCondLst>
+                        <p:cond delay="indefinite"/>
+                      </p:stCondLst>
+                      <p:childTnLst>
+                        <p:par>
+                          <p:cTn id="69" fill="hold">
+                            <p:stCondLst>
+                              <p:cond delay="0"/>
+                            </p:stCondLst>
+                            <p:childTnLst>
+                              <p:par>
+                                <p:cTn id="70" presetID="10" presetClass="entr" presetSubtype="0" fill="hold" grpId="0" nodeType="clickEffect">
+                                  <p:stCondLst>
+                                    <p:cond delay="0"/>
+                                  </p:stCondLst>
+                                  <p:childTnLst>
+                                    <p:set>
+                                      <p:cBhvr>
+                                        <p:cTn id="71" dur="1" fill="hold">
+                                          <p:stCondLst>
+                                            <p:cond delay="0"/>
+                                          </p:stCondLst>
+                                        </p:cTn>
+                                        <p:tgtEl>
+                                          <p:spTgt spid="38">
+                                            <p:txEl>
+                                              <p:pRg st="3" end="3"/>
+                                            </p:txEl>
+                                          </p:spTgt>
+                                        </p:tgtEl>
+                                        <p:attrNameLst>
+                                          <p:attrName>style.visibility</p:attrName>
+                                        </p:attrNameLst>
+                                      </p:cBhvr>
+                                      <p:to>
+                                        <p:strVal val="visible"/>
+                                      </p:to>
+                                    </p:set>
+                                    <p:animEffect transition="in" filter="fade">
+                                      <p:cBhvr>
+                                        <p:cTn id="72" dur="500"/>
+                                        <p:tgtEl>
+                                          <p:spTgt spid="38">
+                                            <p:txEl>
+                                              <p:pRg st="3" end="3"/>
+                                            </p:txEl>
+                                          </p:spTgt>
+                                        </p:tgtEl>
+                                      </p:cBhvr>
+                                    </p:animEffect>
+                                  </p:childTnLst>
+                                </p:cTn>
+                              </p:par>
+                            </p:childTnLst>
+                          </p:cTn>
+                        </p:par>
+                      </p:childTnLst>
+                    </p:cTn>
+                  </p:par>
                 </p:childTnLst>
               </p:cTn>
               <p:prevCondLst>

--- a/Resources/MUST Academy - Computer Vision.pptx
+++ b/Resources/MUST Academy - Computer Vision.pptx
@@ -216,7 +216,7 @@
           <a:p>
             <a:fld id="{876D5480-020B-4BDC-AFC6-146D691A76FF}" type="datetimeFigureOut">
               <a:rPr lang="en-US" smtClean="0"/>
-              <a:t>7/12/2020</a:t>
+              <a:t>11/20/2020</a:t>
             </a:fld>
             <a:endParaRPr lang="en-US" dirty="0"/>
           </a:p>
@@ -7442,7 +7442,9 @@
           </a:xfrm>
         </p:spPr>
         <p:txBody>
-          <a:bodyPr/>
+          <a:bodyPr>
+            <a:normAutofit lnSpcReduction="10000"/>
+          </a:bodyPr>
           <a:lstStyle/>
           <a:p>
             <a:r>
@@ -7465,8 +7467,22 @@
           <a:p>
             <a:r>
               <a:rPr lang="en-IN" b="1" dirty="0"/>
-              <a:t>Challenge 4 - Brain haemorrhage segmentation from CT Scan Images using Mask RCNN</a:t>
-            </a:r>
+              <a:t>Challenge 4 – a - Brain haemorrhage segmentation from CT Scan Images using Mask RCNN</a:t>
+            </a:r>
+          </a:p>
+          <a:p>
+            <a:pPr marL="1645920" lvl="3" indent="0">
+              <a:buNone/>
+            </a:pPr>
+            <a:r>
+              <a:rPr lang="en-IN" b="1" dirty="0"/>
+              <a:t> - b - </a:t>
+            </a:r>
+            <a:r>
+              <a:rPr lang="en-US" b="1" dirty="0"/>
+              <a:t>Object tracking from video - Track the cricket ball from the given video</a:t>
+            </a:r>
+            <a:endParaRPr lang="en-IN" b="1" dirty="0"/>
           </a:p>
           <a:p>
             <a:endParaRPr lang="en-IN" dirty="0"/>
